--- a/poster/example.pptx
+++ b/poster/example.pptx
@@ -5,8 +5,10 @@
     <p:sldMasterId id="2147483648" r:id="rId1"/>
   </p:sldMasterIdLst>
   <p:sldIdLst>
-    <p:sldId id="257" r:id="rId2"/>
-    <p:sldId id="258" r:id="rId3"/>
+    <p:sldId id="259" r:id="rId2"/>
+    <p:sldId id="257" r:id="rId3"/>
+    <p:sldId id="258" r:id="rId4"/>
+    <p:sldId id="260" r:id="rId5"/>
   </p:sldIdLst>
   <p:sldSz cx="9144000" cy="6858000" type="screen4x3"/>
   <p:notesSz cx="6858000" cy="9144000"/>
@@ -3051,6 +3053,104 @@
           <a:chExt cx="0" cy="0"/>
         </a:xfrm>
       </p:grpSpPr>
+      <p:sp>
+        <p:nvSpPr>
+          <p:cNvPr id="2" name="Title 1"/>
+          <p:cNvSpPr>
+            <a:spLocks noGrp="1"/>
+          </p:cNvSpPr>
+          <p:nvPr>
+            <p:ph type="title"/>
+          </p:nvPr>
+        </p:nvSpPr>
+        <p:spPr/>
+        <p:txBody>
+          <a:bodyPr/>
+          <a:lstStyle/>
+          <a:p>
+            <a:r>
+              <a:rPr lang="en-US"/>
+              <a:t>Goal of Interactive Visualization</a:t>
+            </a:r>
+          </a:p>
+        </p:txBody>
+      </p:sp>
+      <p:sp>
+        <p:nvSpPr>
+          <p:cNvPr id="3" name="Content Placeholder 2"/>
+          <p:cNvSpPr>
+            <a:spLocks noGrp="1"/>
+          </p:cNvSpPr>
+          <p:nvPr>
+            <p:ph idx="1"/>
+          </p:nvPr>
+        </p:nvSpPr>
+        <p:spPr/>
+        <p:txBody>
+          <a:bodyPr/>
+          <a:lstStyle/>
+          <a:p>
+            <a:r>
+              <a:rPr lang="en-US"/>
+              <a:t>Understand the nature of Simpson's Paradox</a:t>
+            </a:r>
+          </a:p>
+          <a:p>
+            <a:pPr lvl="1"/>
+            <a:r>
+              <a:rPr lang="en-US"/>
+              <a:t>Why do smokers die less than non smokers in this dataset?</a:t>
+            </a:r>
+          </a:p>
+          <a:p>
+            <a:r>
+              <a:rPr lang="en-US"/>
+              <a:t>Interactive goal: Show the effects of age on death</a:t>
+            </a:r>
+          </a:p>
+          <a:p>
+            <a:pPr lvl="1"/>
+            <a:r>
+              <a:rPr lang="en-US"/>
+              <a:t>Slider is mapped to age and allows dynamic filtering</a:t>
+            </a:r>
+          </a:p>
+          <a:p>
+            <a:pPr lvl="1"/>
+            <a:endParaRPr lang="en-US"/>
+          </a:p>
+        </p:txBody>
+      </p:sp>
+    </p:spTree>
+    <p:extLst>
+      <p:ext uri="{BB962C8B-B14F-4D97-AF65-F5344CB8AC3E}">
+        <p14:creationId xmlns:p14="http://schemas.microsoft.com/office/powerpoint/2010/main" val="973632501"/>
+      </p:ext>
+    </p:extLst>
+  </p:cSld>
+  <p:clrMapOvr>
+    <a:masterClrMapping/>
+  </p:clrMapOvr>
+</p:sld>
+</file>
+
+<file path=ppt/slides/slide2.xml><?xml version="1.0" encoding="utf-8"?>
+<p:sld xmlns:a="http://schemas.openxmlformats.org/drawingml/2006/main" xmlns:r="http://schemas.openxmlformats.org/officeDocument/2006/relationships" xmlns:p="http://schemas.openxmlformats.org/presentationml/2006/main">
+  <p:cSld>
+    <p:spTree>
+      <p:nvGrpSpPr>
+        <p:cNvPr id="1" name=""/>
+        <p:cNvGrpSpPr/>
+        <p:nvPr/>
+      </p:nvGrpSpPr>
+      <p:grpSpPr>
+        <a:xfrm>
+          <a:off x="0" y="0"/>
+          <a:ext cx="0" cy="0"/>
+          <a:chOff x="0" y="0"/>
+          <a:chExt cx="0" cy="0"/>
+        </a:xfrm>
+      </p:grpSpPr>
       <p:pic>
         <p:nvPicPr>
           <p:cNvPr id="4" name="Picture 3" descr="Screen Shot 2018-04-04 at 12.17.41 PM.png"/>
@@ -3081,6 +3181,30 @@
           </a:prstGeom>
         </p:spPr>
       </p:pic>
+      <p:sp>
+        <p:nvSpPr>
+          <p:cNvPr id="2" name="Title 1"/>
+          <p:cNvSpPr>
+            <a:spLocks noGrp="1"/>
+          </p:cNvSpPr>
+          <p:nvPr>
+            <p:ph type="title"/>
+          </p:nvPr>
+        </p:nvSpPr>
+        <p:spPr/>
+        <p:txBody>
+          <a:bodyPr>
+            <a:normAutofit fontScale="90000"/>
+          </a:bodyPr>
+          <a:lstStyle/>
+          <a:p>
+            <a:r>
+              <a:rPr lang="en-US"/>
+              <a:t>If you smoke, you're more likely to be alive...????</a:t>
+            </a:r>
+          </a:p>
+        </p:txBody>
+      </p:sp>
     </p:spTree>
     <p:extLst>
       <p:ext uri="{BB962C8B-B14F-4D97-AF65-F5344CB8AC3E}">
@@ -3094,7 +3218,7 @@
 </p:sld>
 </file>
 
-<file path=ppt/slides/slide2.xml><?xml version="1.0" encoding="utf-8"?>
+<file path=ppt/slides/slide3.xml><?xml version="1.0" encoding="utf-8"?>
 <p:sld xmlns:a="http://schemas.openxmlformats.org/drawingml/2006/main" xmlns:r="http://schemas.openxmlformats.org/officeDocument/2006/relationships" xmlns:p="http://schemas.openxmlformats.org/presentationml/2006/main">
   <p:cSld>
     <p:spTree>
@@ -3205,6 +3329,86 @@
     <p:extLst>
       <p:ext uri="{BB962C8B-B14F-4D97-AF65-F5344CB8AC3E}">
         <p14:creationId xmlns:p14="http://schemas.microsoft.com/office/powerpoint/2010/main" val="1568834068"/>
+      </p:ext>
+    </p:extLst>
+  </p:cSld>
+  <p:clrMapOvr>
+    <a:masterClrMapping/>
+  </p:clrMapOvr>
+</p:sld>
+</file>
+
+<file path=ppt/slides/slide4.xml><?xml version="1.0" encoding="utf-8"?>
+<p:sld xmlns:a="http://schemas.openxmlformats.org/drawingml/2006/main" xmlns:r="http://schemas.openxmlformats.org/officeDocument/2006/relationships" xmlns:p="http://schemas.openxmlformats.org/presentationml/2006/main">
+  <p:cSld>
+    <p:spTree>
+      <p:nvGrpSpPr>
+        <p:cNvPr id="1" name=""/>
+        <p:cNvGrpSpPr/>
+        <p:nvPr/>
+      </p:nvGrpSpPr>
+      <p:grpSpPr>
+        <a:xfrm>
+          <a:off x="0" y="0"/>
+          <a:ext cx="0" cy="0"/>
+          <a:chOff x="0" y="0"/>
+          <a:chExt cx="0" cy="0"/>
+        </a:xfrm>
+      </p:grpSpPr>
+      <p:sp>
+        <p:nvSpPr>
+          <p:cNvPr id="2" name="Title 1"/>
+          <p:cNvSpPr>
+            <a:spLocks noGrp="1"/>
+          </p:cNvSpPr>
+          <p:nvPr>
+            <p:ph type="title"/>
+          </p:nvPr>
+        </p:nvSpPr>
+        <p:spPr/>
+        <p:txBody>
+          <a:bodyPr/>
+          <a:lstStyle/>
+          <a:p>
+            <a:r>
+              <a:rPr lang="en-US"/>
+              <a:t>Lessons Learned</a:t>
+            </a:r>
+          </a:p>
+        </p:txBody>
+      </p:sp>
+      <p:sp>
+        <p:nvSpPr>
+          <p:cNvPr id="3" name="Content Placeholder 2"/>
+          <p:cNvSpPr>
+            <a:spLocks noGrp="1"/>
+          </p:cNvSpPr>
+          <p:nvPr>
+            <p:ph idx="1"/>
+          </p:nvPr>
+        </p:nvSpPr>
+        <p:spPr/>
+        <p:txBody>
+          <a:bodyPr/>
+          <a:lstStyle/>
+          <a:p>
+            <a:r>
+              <a:rPr lang="en-US"/>
+              <a:t>Feedback from beginners was very positive</a:t>
+            </a:r>
+          </a:p>
+          <a:p>
+            <a:r>
+              <a:rPr lang="en-US"/>
+              <a:t>Feedback from researchers was not</a:t>
+            </a:r>
+          </a:p>
+        </p:txBody>
+      </p:sp>
+    </p:spTree>
+    <p:extLst>
+      <p:ext uri="{BB962C8B-B14F-4D97-AF65-F5344CB8AC3E}">
+        <p14:creationId xmlns:p14="http://schemas.microsoft.com/office/powerpoint/2010/main" val="4068750276"/>
       </p:ext>
     </p:extLst>
   </p:cSld>
